--- a/Slides/Practical-1-Slides.pptx
+++ b/Slides/Practical-1-Slides.pptx
@@ -308,7 +308,7 @@
           <a:p>
             <a:fld id="{C99E7219-C2C6-084C-BE97-66A745AB2792}" type="datetimeFigureOut">
               <a:rPr lang="en-US" smtClean="0"/>
-              <a:t>1/27/25</a:t>
+              <a:t>1/28/26</a:t>
             </a:fld>
             <a:endParaRPr lang="en-US"/>
           </a:p>
@@ -506,7 +506,7 @@
           <a:p>
             <a:fld id="{C99E7219-C2C6-084C-BE97-66A745AB2792}" type="datetimeFigureOut">
               <a:rPr lang="en-US" smtClean="0"/>
-              <a:t>1/27/25</a:t>
+              <a:t>1/28/26</a:t>
             </a:fld>
             <a:endParaRPr lang="en-US"/>
           </a:p>
@@ -714,7 +714,7 @@
           <a:p>
             <a:fld id="{C99E7219-C2C6-084C-BE97-66A745AB2792}" type="datetimeFigureOut">
               <a:rPr lang="en-US" smtClean="0"/>
-              <a:t>1/27/25</a:t>
+              <a:t>1/28/26</a:t>
             </a:fld>
             <a:endParaRPr lang="en-US"/>
           </a:p>
@@ -912,7 +912,7 @@
           <a:p>
             <a:fld id="{C99E7219-C2C6-084C-BE97-66A745AB2792}" type="datetimeFigureOut">
               <a:rPr lang="en-US" smtClean="0"/>
-              <a:t>1/27/25</a:t>
+              <a:t>1/28/26</a:t>
             </a:fld>
             <a:endParaRPr lang="en-US"/>
           </a:p>
@@ -1187,7 +1187,7 @@
           <a:p>
             <a:fld id="{C99E7219-C2C6-084C-BE97-66A745AB2792}" type="datetimeFigureOut">
               <a:rPr lang="en-US" smtClean="0"/>
-              <a:t>1/27/25</a:t>
+              <a:t>1/28/26</a:t>
             </a:fld>
             <a:endParaRPr lang="en-US"/>
           </a:p>
@@ -1452,7 +1452,7 @@
           <a:p>
             <a:fld id="{C99E7219-C2C6-084C-BE97-66A745AB2792}" type="datetimeFigureOut">
               <a:rPr lang="en-US" smtClean="0"/>
-              <a:t>1/27/25</a:t>
+              <a:t>1/28/26</a:t>
             </a:fld>
             <a:endParaRPr lang="en-US"/>
           </a:p>
@@ -1864,7 +1864,7 @@
           <a:p>
             <a:fld id="{C99E7219-C2C6-084C-BE97-66A745AB2792}" type="datetimeFigureOut">
               <a:rPr lang="en-US" smtClean="0"/>
-              <a:t>1/27/25</a:t>
+              <a:t>1/28/26</a:t>
             </a:fld>
             <a:endParaRPr lang="en-US"/>
           </a:p>
@@ -2005,7 +2005,7 @@
           <a:p>
             <a:fld id="{C99E7219-C2C6-084C-BE97-66A745AB2792}" type="datetimeFigureOut">
               <a:rPr lang="en-US" smtClean="0"/>
-              <a:t>1/27/25</a:t>
+              <a:t>1/28/26</a:t>
             </a:fld>
             <a:endParaRPr lang="en-US"/>
           </a:p>
@@ -2118,7 +2118,7 @@
           <a:p>
             <a:fld id="{C99E7219-C2C6-084C-BE97-66A745AB2792}" type="datetimeFigureOut">
               <a:rPr lang="en-US" smtClean="0"/>
-              <a:t>1/27/25</a:t>
+              <a:t>1/28/26</a:t>
             </a:fld>
             <a:endParaRPr lang="en-US"/>
           </a:p>
@@ -2429,7 +2429,7 @@
           <a:p>
             <a:fld id="{C99E7219-C2C6-084C-BE97-66A745AB2792}" type="datetimeFigureOut">
               <a:rPr lang="en-US" smtClean="0"/>
-              <a:t>1/27/25</a:t>
+              <a:t>1/28/26</a:t>
             </a:fld>
             <a:endParaRPr lang="en-US"/>
           </a:p>
@@ -2717,7 +2717,7 @@
           <a:p>
             <a:fld id="{C99E7219-C2C6-084C-BE97-66A745AB2792}" type="datetimeFigureOut">
               <a:rPr lang="en-US" smtClean="0"/>
-              <a:t>1/27/25</a:t>
+              <a:t>1/28/26</a:t>
             </a:fld>
             <a:endParaRPr lang="en-US"/>
           </a:p>
@@ -2958,7 +2958,7 @@
           <a:p>
             <a:fld id="{C99E7219-C2C6-084C-BE97-66A745AB2792}" type="datetimeFigureOut">
               <a:rPr lang="en-US" smtClean="0"/>
-              <a:t>1/27/25</a:t>
+              <a:t>1/28/26</a:t>
             </a:fld>
             <a:endParaRPr lang="en-US"/>
           </a:p>
@@ -3435,7 +3435,7 @@
               <a:rPr lang="en-US" dirty="0">
                 <a:latin typeface="Century Gothic" panose="020B0502020202020204" pitchFamily="34" charset="0"/>
               </a:rPr>
-              <a:t>Thursday/Friday, 30/31 January 2025, 2pm – 5pm</a:t>
+              <a:t>Thursday/Friday, 29/30 January 2026, 2pm – 5pm</a:t>
             </a:r>
           </a:p>
           <a:p>
@@ -3545,10 +3545,10 @@
       </p:pic>
       <p:sp>
         <p:nvSpPr>
-          <p:cNvPr id="10" name="Subtitle 2">
-            <a:extLst>
-              <a:ext uri="{FF2B5EF4-FFF2-40B4-BE49-F238E27FC236}">
-                <a16:creationId xmlns:a16="http://schemas.microsoft.com/office/drawing/2014/main" id="{D52473BB-587C-733F-2E16-BA306D99E86E}"/>
+          <p:cNvPr id="12" name="Subtitle 2">
+            <a:extLst>
+              <a:ext uri="{FF2B5EF4-FFF2-40B4-BE49-F238E27FC236}">
+                <a16:creationId xmlns:a16="http://schemas.microsoft.com/office/drawing/2014/main" id="{B97730CC-A63A-9367-C96B-CDC29FE29557}"/>
               </a:ext>
             </a:extLst>
           </p:cNvPr>
@@ -3559,8 +3559,223 @@
         </p:nvSpPr>
         <p:spPr>
           <a:xfrm>
-            <a:off x="2539137" y="1881947"/>
-            <a:ext cx="2894692" cy="1325562"/>
+            <a:off x="8631465" y="2113290"/>
+            <a:ext cx="3003356" cy="1305856"/>
+          </a:xfrm>
+          <a:prstGeom prst="rect">
+            <a:avLst/>
+          </a:prstGeom>
+        </p:spPr>
+        <p:txBody>
+          <a:bodyPr vert="horz" lIns="91440" tIns="45720" rIns="91440" bIns="45720" rtlCol="0">
+            <a:normAutofit lnSpcReduction="10000"/>
+          </a:bodyPr>
+          <a:lstStyle>
+            <a:lvl1pPr marL="228600" indent="-228600" algn="l" defTabSz="914400" rtl="0" eaLnBrk="1" latinLnBrk="0" hangingPunct="1">
+              <a:lnSpc>
+                <a:spcPct val="90000"/>
+              </a:lnSpc>
+              <a:spcBef>
+                <a:spcPts val="1000"/>
+              </a:spcBef>
+              <a:buFont typeface="Arial" panose="020B0604020202020204" pitchFamily="34" charset="0"/>
+              <a:buChar char="•"/>
+              <a:defRPr sz="2800" kern="1200">
+                <a:solidFill>
+                  <a:schemeClr val="tx1"/>
+                </a:solidFill>
+                <a:latin typeface="+mn-lt"/>
+                <a:ea typeface="+mn-ea"/>
+                <a:cs typeface="+mn-cs"/>
+              </a:defRPr>
+            </a:lvl1pPr>
+            <a:lvl2pPr marL="685800" indent="-228600" algn="l" defTabSz="914400" rtl="0" eaLnBrk="1" latinLnBrk="0" hangingPunct="1">
+              <a:lnSpc>
+                <a:spcPct val="90000"/>
+              </a:lnSpc>
+              <a:spcBef>
+                <a:spcPts val="500"/>
+              </a:spcBef>
+              <a:buFont typeface="Arial" panose="020B0604020202020204" pitchFamily="34" charset="0"/>
+              <a:buChar char="•"/>
+              <a:defRPr sz="2400" kern="1200">
+                <a:solidFill>
+                  <a:schemeClr val="tx1"/>
+                </a:solidFill>
+                <a:latin typeface="+mn-lt"/>
+                <a:ea typeface="+mn-ea"/>
+                <a:cs typeface="+mn-cs"/>
+              </a:defRPr>
+            </a:lvl2pPr>
+            <a:lvl3pPr marL="1143000" indent="-228600" algn="l" defTabSz="914400" rtl="0" eaLnBrk="1" latinLnBrk="0" hangingPunct="1">
+              <a:lnSpc>
+                <a:spcPct val="90000"/>
+              </a:lnSpc>
+              <a:spcBef>
+                <a:spcPts val="500"/>
+              </a:spcBef>
+              <a:buFont typeface="Arial" panose="020B0604020202020204" pitchFamily="34" charset="0"/>
+              <a:buChar char="•"/>
+              <a:defRPr sz="2000" kern="1200">
+                <a:solidFill>
+                  <a:schemeClr val="tx1"/>
+                </a:solidFill>
+                <a:latin typeface="+mn-lt"/>
+                <a:ea typeface="+mn-ea"/>
+                <a:cs typeface="+mn-cs"/>
+              </a:defRPr>
+            </a:lvl3pPr>
+            <a:lvl4pPr marL="1600200" indent="-228600" algn="l" defTabSz="914400" rtl="0" eaLnBrk="1" latinLnBrk="0" hangingPunct="1">
+              <a:lnSpc>
+                <a:spcPct val="90000"/>
+              </a:lnSpc>
+              <a:spcBef>
+                <a:spcPts val="500"/>
+              </a:spcBef>
+              <a:buFont typeface="Arial" panose="020B0604020202020204" pitchFamily="34" charset="0"/>
+              <a:buChar char="•"/>
+              <a:defRPr sz="1800" kern="1200">
+                <a:solidFill>
+                  <a:schemeClr val="tx1"/>
+                </a:solidFill>
+                <a:latin typeface="+mn-lt"/>
+                <a:ea typeface="+mn-ea"/>
+                <a:cs typeface="+mn-cs"/>
+              </a:defRPr>
+            </a:lvl4pPr>
+            <a:lvl5pPr marL="2057400" indent="-228600" algn="l" defTabSz="914400" rtl="0" eaLnBrk="1" latinLnBrk="0" hangingPunct="1">
+              <a:lnSpc>
+                <a:spcPct val="90000"/>
+              </a:lnSpc>
+              <a:spcBef>
+                <a:spcPts val="500"/>
+              </a:spcBef>
+              <a:buFont typeface="Arial" panose="020B0604020202020204" pitchFamily="34" charset="0"/>
+              <a:buChar char="•"/>
+              <a:defRPr sz="1800" kern="1200">
+                <a:solidFill>
+                  <a:schemeClr val="tx1"/>
+                </a:solidFill>
+                <a:latin typeface="+mn-lt"/>
+                <a:ea typeface="+mn-ea"/>
+                <a:cs typeface="+mn-cs"/>
+              </a:defRPr>
+            </a:lvl5pPr>
+            <a:lvl6pPr marL="2514600" indent="-228600" algn="l" defTabSz="914400" rtl="0" eaLnBrk="1" latinLnBrk="0" hangingPunct="1">
+              <a:lnSpc>
+                <a:spcPct val="90000"/>
+              </a:lnSpc>
+              <a:spcBef>
+                <a:spcPts val="500"/>
+              </a:spcBef>
+              <a:buFont typeface="Arial" panose="020B0604020202020204" pitchFamily="34" charset="0"/>
+              <a:buChar char="•"/>
+              <a:defRPr sz="1800" kern="1200">
+                <a:solidFill>
+                  <a:schemeClr val="tx1"/>
+                </a:solidFill>
+                <a:latin typeface="+mn-lt"/>
+                <a:ea typeface="+mn-ea"/>
+                <a:cs typeface="+mn-cs"/>
+              </a:defRPr>
+            </a:lvl6pPr>
+            <a:lvl7pPr marL="2971800" indent="-228600" algn="l" defTabSz="914400" rtl="0" eaLnBrk="1" latinLnBrk="0" hangingPunct="1">
+              <a:lnSpc>
+                <a:spcPct val="90000"/>
+              </a:lnSpc>
+              <a:spcBef>
+                <a:spcPts val="500"/>
+              </a:spcBef>
+              <a:buFont typeface="Arial" panose="020B0604020202020204" pitchFamily="34" charset="0"/>
+              <a:buChar char="•"/>
+              <a:defRPr sz="1800" kern="1200">
+                <a:solidFill>
+                  <a:schemeClr val="tx1"/>
+                </a:solidFill>
+                <a:latin typeface="+mn-lt"/>
+                <a:ea typeface="+mn-ea"/>
+                <a:cs typeface="+mn-cs"/>
+              </a:defRPr>
+            </a:lvl7pPr>
+            <a:lvl8pPr marL="3429000" indent="-228600" algn="l" defTabSz="914400" rtl="0" eaLnBrk="1" latinLnBrk="0" hangingPunct="1">
+              <a:lnSpc>
+                <a:spcPct val="90000"/>
+              </a:lnSpc>
+              <a:spcBef>
+                <a:spcPts val="500"/>
+              </a:spcBef>
+              <a:buFont typeface="Arial" panose="020B0604020202020204" pitchFamily="34" charset="0"/>
+              <a:buChar char="•"/>
+              <a:defRPr sz="1800" kern="1200">
+                <a:solidFill>
+                  <a:schemeClr val="tx1"/>
+                </a:solidFill>
+                <a:latin typeface="+mn-lt"/>
+                <a:ea typeface="+mn-ea"/>
+                <a:cs typeface="+mn-cs"/>
+              </a:defRPr>
+            </a:lvl8pPr>
+            <a:lvl9pPr marL="3886200" indent="-228600" algn="l" defTabSz="914400" rtl="0" eaLnBrk="1" latinLnBrk="0" hangingPunct="1">
+              <a:lnSpc>
+                <a:spcPct val="90000"/>
+              </a:lnSpc>
+              <a:spcBef>
+                <a:spcPts val="500"/>
+              </a:spcBef>
+              <a:buFont typeface="Arial" panose="020B0604020202020204" pitchFamily="34" charset="0"/>
+              <a:buChar char="•"/>
+              <a:defRPr sz="1800" kern="1200">
+                <a:solidFill>
+                  <a:schemeClr val="tx1"/>
+                </a:solidFill>
+                <a:latin typeface="+mn-lt"/>
+                <a:ea typeface="+mn-ea"/>
+                <a:cs typeface="+mn-cs"/>
+              </a:defRPr>
+            </a:lvl9pPr>
+          </a:lstStyle>
+          <a:p>
+            <a:pPr marL="0" indent="0">
+              <a:buNone/>
+            </a:pPr>
+            <a:r>
+              <a:rPr lang="en-US" sz="1600" b="1" dirty="0">
+                <a:latin typeface="Century Gothic" panose="020B0502020202020204" pitchFamily="34" charset="0"/>
+              </a:rPr>
+              <a:t>Joseph, Pandemic Sciences Research Fellow (he/him) </a:t>
+            </a:r>
+          </a:p>
+          <a:p>
+            <a:pPr marL="0" indent="0">
+              <a:buNone/>
+            </a:pPr>
+            <a:r>
+              <a:rPr lang="en-US" sz="1600" dirty="0">
+                <a:latin typeface="Century Gothic" panose="020B0502020202020204" pitchFamily="34" charset="0"/>
+              </a:rPr>
+              <a:t>Main research interests: Genomic epidemiology &amp; disease surveillance</a:t>
+            </a:r>
+          </a:p>
+        </p:txBody>
+      </p:sp>
+      <p:sp>
+        <p:nvSpPr>
+          <p:cNvPr id="13" name="Subtitle 2">
+            <a:extLst>
+              <a:ext uri="{FF2B5EF4-FFF2-40B4-BE49-F238E27FC236}">
+                <a16:creationId xmlns:a16="http://schemas.microsoft.com/office/drawing/2014/main" id="{53115C56-043C-A54A-FA3E-346DA2A5C9A7}"/>
+              </a:ext>
+            </a:extLst>
+          </p:cNvPr>
+          <p:cNvSpPr txBox="1">
+            <a:spLocks/>
+          </p:cNvSpPr>
+          <p:nvPr/>
+        </p:nvSpPr>
+        <p:spPr>
+          <a:xfrm>
+            <a:off x="2539137" y="4008673"/>
+            <a:ext cx="2793027" cy="1700938"/>
           </a:xfrm>
           <a:prstGeom prst="rect">
             <a:avLst/>
@@ -3742,436 +3957,6 @@
               <a:rPr lang="en-US" sz="1600" b="1" dirty="0">
                 <a:latin typeface="Century Gothic" panose="020B0502020202020204" pitchFamily="34" charset="0"/>
               </a:rPr>
-              <a:t>Rosario, DPhil student in health data science (she/her) </a:t>
-            </a:r>
-          </a:p>
-          <a:p>
-            <a:pPr marL="0" indent="0">
-              <a:buNone/>
-            </a:pPr>
-            <a:r>
-              <a:rPr lang="en-US" sz="1600" dirty="0">
-                <a:latin typeface="Century Gothic" panose="020B0502020202020204" pitchFamily="34" charset="0"/>
-              </a:rPr>
-              <a:t>Main research interests: AI in infectious disease epidemiology and clinical research</a:t>
-            </a:r>
-          </a:p>
-        </p:txBody>
-      </p:sp>
-      <p:sp>
-        <p:nvSpPr>
-          <p:cNvPr id="12" name="Subtitle 2">
-            <a:extLst>
-              <a:ext uri="{FF2B5EF4-FFF2-40B4-BE49-F238E27FC236}">
-                <a16:creationId xmlns:a16="http://schemas.microsoft.com/office/drawing/2014/main" id="{B97730CC-A63A-9367-C96B-CDC29FE29557}"/>
-              </a:ext>
-            </a:extLst>
-          </p:cNvPr>
-          <p:cNvSpPr txBox="1">
-            <a:spLocks/>
-          </p:cNvSpPr>
-          <p:nvPr/>
-        </p:nvSpPr>
-        <p:spPr>
-          <a:xfrm>
-            <a:off x="8631465" y="374977"/>
-            <a:ext cx="3003356" cy="1305856"/>
-          </a:xfrm>
-          <a:prstGeom prst="rect">
-            <a:avLst/>
-          </a:prstGeom>
-        </p:spPr>
-        <p:txBody>
-          <a:bodyPr vert="horz" lIns="91440" tIns="45720" rIns="91440" bIns="45720" rtlCol="0">
-            <a:normAutofit lnSpcReduction="10000"/>
-          </a:bodyPr>
-          <a:lstStyle>
-            <a:lvl1pPr marL="228600" indent="-228600" algn="l" defTabSz="914400" rtl="0" eaLnBrk="1" latinLnBrk="0" hangingPunct="1">
-              <a:lnSpc>
-                <a:spcPct val="90000"/>
-              </a:lnSpc>
-              <a:spcBef>
-                <a:spcPts val="1000"/>
-              </a:spcBef>
-              <a:buFont typeface="Arial" panose="020B0604020202020204" pitchFamily="34" charset="0"/>
-              <a:buChar char="•"/>
-              <a:defRPr sz="2800" kern="1200">
-                <a:solidFill>
-                  <a:schemeClr val="tx1"/>
-                </a:solidFill>
-                <a:latin typeface="+mn-lt"/>
-                <a:ea typeface="+mn-ea"/>
-                <a:cs typeface="+mn-cs"/>
-              </a:defRPr>
-            </a:lvl1pPr>
-            <a:lvl2pPr marL="685800" indent="-228600" algn="l" defTabSz="914400" rtl="0" eaLnBrk="1" latinLnBrk="0" hangingPunct="1">
-              <a:lnSpc>
-                <a:spcPct val="90000"/>
-              </a:lnSpc>
-              <a:spcBef>
-                <a:spcPts val="500"/>
-              </a:spcBef>
-              <a:buFont typeface="Arial" panose="020B0604020202020204" pitchFamily="34" charset="0"/>
-              <a:buChar char="•"/>
-              <a:defRPr sz="2400" kern="1200">
-                <a:solidFill>
-                  <a:schemeClr val="tx1"/>
-                </a:solidFill>
-                <a:latin typeface="+mn-lt"/>
-                <a:ea typeface="+mn-ea"/>
-                <a:cs typeface="+mn-cs"/>
-              </a:defRPr>
-            </a:lvl2pPr>
-            <a:lvl3pPr marL="1143000" indent="-228600" algn="l" defTabSz="914400" rtl="0" eaLnBrk="1" latinLnBrk="0" hangingPunct="1">
-              <a:lnSpc>
-                <a:spcPct val="90000"/>
-              </a:lnSpc>
-              <a:spcBef>
-                <a:spcPts val="500"/>
-              </a:spcBef>
-              <a:buFont typeface="Arial" panose="020B0604020202020204" pitchFamily="34" charset="0"/>
-              <a:buChar char="•"/>
-              <a:defRPr sz="2000" kern="1200">
-                <a:solidFill>
-                  <a:schemeClr val="tx1"/>
-                </a:solidFill>
-                <a:latin typeface="+mn-lt"/>
-                <a:ea typeface="+mn-ea"/>
-                <a:cs typeface="+mn-cs"/>
-              </a:defRPr>
-            </a:lvl3pPr>
-            <a:lvl4pPr marL="1600200" indent="-228600" algn="l" defTabSz="914400" rtl="0" eaLnBrk="1" latinLnBrk="0" hangingPunct="1">
-              <a:lnSpc>
-                <a:spcPct val="90000"/>
-              </a:lnSpc>
-              <a:spcBef>
-                <a:spcPts val="500"/>
-              </a:spcBef>
-              <a:buFont typeface="Arial" panose="020B0604020202020204" pitchFamily="34" charset="0"/>
-              <a:buChar char="•"/>
-              <a:defRPr sz="1800" kern="1200">
-                <a:solidFill>
-                  <a:schemeClr val="tx1"/>
-                </a:solidFill>
-                <a:latin typeface="+mn-lt"/>
-                <a:ea typeface="+mn-ea"/>
-                <a:cs typeface="+mn-cs"/>
-              </a:defRPr>
-            </a:lvl4pPr>
-            <a:lvl5pPr marL="2057400" indent="-228600" algn="l" defTabSz="914400" rtl="0" eaLnBrk="1" latinLnBrk="0" hangingPunct="1">
-              <a:lnSpc>
-                <a:spcPct val="90000"/>
-              </a:lnSpc>
-              <a:spcBef>
-                <a:spcPts val="500"/>
-              </a:spcBef>
-              <a:buFont typeface="Arial" panose="020B0604020202020204" pitchFamily="34" charset="0"/>
-              <a:buChar char="•"/>
-              <a:defRPr sz="1800" kern="1200">
-                <a:solidFill>
-                  <a:schemeClr val="tx1"/>
-                </a:solidFill>
-                <a:latin typeface="+mn-lt"/>
-                <a:ea typeface="+mn-ea"/>
-                <a:cs typeface="+mn-cs"/>
-              </a:defRPr>
-            </a:lvl5pPr>
-            <a:lvl6pPr marL="2514600" indent="-228600" algn="l" defTabSz="914400" rtl="0" eaLnBrk="1" latinLnBrk="0" hangingPunct="1">
-              <a:lnSpc>
-                <a:spcPct val="90000"/>
-              </a:lnSpc>
-              <a:spcBef>
-                <a:spcPts val="500"/>
-              </a:spcBef>
-              <a:buFont typeface="Arial" panose="020B0604020202020204" pitchFamily="34" charset="0"/>
-              <a:buChar char="•"/>
-              <a:defRPr sz="1800" kern="1200">
-                <a:solidFill>
-                  <a:schemeClr val="tx1"/>
-                </a:solidFill>
-                <a:latin typeface="+mn-lt"/>
-                <a:ea typeface="+mn-ea"/>
-                <a:cs typeface="+mn-cs"/>
-              </a:defRPr>
-            </a:lvl6pPr>
-            <a:lvl7pPr marL="2971800" indent="-228600" algn="l" defTabSz="914400" rtl="0" eaLnBrk="1" latinLnBrk="0" hangingPunct="1">
-              <a:lnSpc>
-                <a:spcPct val="90000"/>
-              </a:lnSpc>
-              <a:spcBef>
-                <a:spcPts val="500"/>
-              </a:spcBef>
-              <a:buFont typeface="Arial" panose="020B0604020202020204" pitchFamily="34" charset="0"/>
-              <a:buChar char="•"/>
-              <a:defRPr sz="1800" kern="1200">
-                <a:solidFill>
-                  <a:schemeClr val="tx1"/>
-                </a:solidFill>
-                <a:latin typeface="+mn-lt"/>
-                <a:ea typeface="+mn-ea"/>
-                <a:cs typeface="+mn-cs"/>
-              </a:defRPr>
-            </a:lvl7pPr>
-            <a:lvl8pPr marL="3429000" indent="-228600" algn="l" defTabSz="914400" rtl="0" eaLnBrk="1" latinLnBrk="0" hangingPunct="1">
-              <a:lnSpc>
-                <a:spcPct val="90000"/>
-              </a:lnSpc>
-              <a:spcBef>
-                <a:spcPts val="500"/>
-              </a:spcBef>
-              <a:buFont typeface="Arial" panose="020B0604020202020204" pitchFamily="34" charset="0"/>
-              <a:buChar char="•"/>
-              <a:defRPr sz="1800" kern="1200">
-                <a:solidFill>
-                  <a:schemeClr val="tx1"/>
-                </a:solidFill>
-                <a:latin typeface="+mn-lt"/>
-                <a:ea typeface="+mn-ea"/>
-                <a:cs typeface="+mn-cs"/>
-              </a:defRPr>
-            </a:lvl8pPr>
-            <a:lvl9pPr marL="3886200" indent="-228600" algn="l" defTabSz="914400" rtl="0" eaLnBrk="1" latinLnBrk="0" hangingPunct="1">
-              <a:lnSpc>
-                <a:spcPct val="90000"/>
-              </a:lnSpc>
-              <a:spcBef>
-                <a:spcPts val="500"/>
-              </a:spcBef>
-              <a:buFont typeface="Arial" panose="020B0604020202020204" pitchFamily="34" charset="0"/>
-              <a:buChar char="•"/>
-              <a:defRPr sz="1800" kern="1200">
-                <a:solidFill>
-                  <a:schemeClr val="tx1"/>
-                </a:solidFill>
-                <a:latin typeface="+mn-lt"/>
-                <a:ea typeface="+mn-ea"/>
-                <a:cs typeface="+mn-cs"/>
-              </a:defRPr>
-            </a:lvl9pPr>
-          </a:lstStyle>
-          <a:p>
-            <a:pPr marL="0" indent="0">
-              <a:buNone/>
-            </a:pPr>
-            <a:r>
-              <a:rPr lang="en-US" sz="1600" b="1" dirty="0">
-                <a:latin typeface="Century Gothic" panose="020B0502020202020204" pitchFamily="34" charset="0"/>
-              </a:rPr>
-              <a:t>Joseph, DPhil student in Biology (he/him) </a:t>
-            </a:r>
-          </a:p>
-          <a:p>
-            <a:pPr marL="0" indent="0">
-              <a:buNone/>
-            </a:pPr>
-            <a:r>
-              <a:rPr lang="en-US" sz="1600" dirty="0">
-                <a:latin typeface="Century Gothic" panose="020B0502020202020204" pitchFamily="34" charset="0"/>
-              </a:rPr>
-              <a:t>Main research interests: Genomic epidemiology &amp; disease surveillance</a:t>
-            </a:r>
-          </a:p>
-        </p:txBody>
-      </p:sp>
-      <p:sp>
-        <p:nvSpPr>
-          <p:cNvPr id="13" name="Subtitle 2">
-            <a:extLst>
-              <a:ext uri="{FF2B5EF4-FFF2-40B4-BE49-F238E27FC236}">
-                <a16:creationId xmlns:a16="http://schemas.microsoft.com/office/drawing/2014/main" id="{53115C56-043C-A54A-FA3E-346DA2A5C9A7}"/>
-              </a:ext>
-            </a:extLst>
-          </p:cNvPr>
-          <p:cNvSpPr txBox="1">
-            <a:spLocks/>
-          </p:cNvSpPr>
-          <p:nvPr/>
-        </p:nvSpPr>
-        <p:spPr>
-          <a:xfrm>
-            <a:off x="2539137" y="4008673"/>
-            <a:ext cx="2793027" cy="1700938"/>
-          </a:xfrm>
-          <a:prstGeom prst="rect">
-            <a:avLst/>
-          </a:prstGeom>
-        </p:spPr>
-        <p:txBody>
-          <a:bodyPr vert="horz" lIns="91440" tIns="45720" rIns="91440" bIns="45720" rtlCol="0">
-            <a:noAutofit/>
-          </a:bodyPr>
-          <a:lstStyle>
-            <a:lvl1pPr marL="228600" indent="-228600" algn="l" defTabSz="914400" rtl="0" eaLnBrk="1" latinLnBrk="0" hangingPunct="1">
-              <a:lnSpc>
-                <a:spcPct val="90000"/>
-              </a:lnSpc>
-              <a:spcBef>
-                <a:spcPts val="1000"/>
-              </a:spcBef>
-              <a:buFont typeface="Arial" panose="020B0604020202020204" pitchFamily="34" charset="0"/>
-              <a:buChar char="•"/>
-              <a:defRPr sz="2800" kern="1200">
-                <a:solidFill>
-                  <a:schemeClr val="tx1"/>
-                </a:solidFill>
-                <a:latin typeface="+mn-lt"/>
-                <a:ea typeface="+mn-ea"/>
-                <a:cs typeface="+mn-cs"/>
-              </a:defRPr>
-            </a:lvl1pPr>
-            <a:lvl2pPr marL="685800" indent="-228600" algn="l" defTabSz="914400" rtl="0" eaLnBrk="1" latinLnBrk="0" hangingPunct="1">
-              <a:lnSpc>
-                <a:spcPct val="90000"/>
-              </a:lnSpc>
-              <a:spcBef>
-                <a:spcPts val="500"/>
-              </a:spcBef>
-              <a:buFont typeface="Arial" panose="020B0604020202020204" pitchFamily="34" charset="0"/>
-              <a:buChar char="•"/>
-              <a:defRPr sz="2400" kern="1200">
-                <a:solidFill>
-                  <a:schemeClr val="tx1"/>
-                </a:solidFill>
-                <a:latin typeface="+mn-lt"/>
-                <a:ea typeface="+mn-ea"/>
-                <a:cs typeface="+mn-cs"/>
-              </a:defRPr>
-            </a:lvl2pPr>
-            <a:lvl3pPr marL="1143000" indent="-228600" algn="l" defTabSz="914400" rtl="0" eaLnBrk="1" latinLnBrk="0" hangingPunct="1">
-              <a:lnSpc>
-                <a:spcPct val="90000"/>
-              </a:lnSpc>
-              <a:spcBef>
-                <a:spcPts val="500"/>
-              </a:spcBef>
-              <a:buFont typeface="Arial" panose="020B0604020202020204" pitchFamily="34" charset="0"/>
-              <a:buChar char="•"/>
-              <a:defRPr sz="2000" kern="1200">
-                <a:solidFill>
-                  <a:schemeClr val="tx1"/>
-                </a:solidFill>
-                <a:latin typeface="+mn-lt"/>
-                <a:ea typeface="+mn-ea"/>
-                <a:cs typeface="+mn-cs"/>
-              </a:defRPr>
-            </a:lvl3pPr>
-            <a:lvl4pPr marL="1600200" indent="-228600" algn="l" defTabSz="914400" rtl="0" eaLnBrk="1" latinLnBrk="0" hangingPunct="1">
-              <a:lnSpc>
-                <a:spcPct val="90000"/>
-              </a:lnSpc>
-              <a:spcBef>
-                <a:spcPts val="500"/>
-              </a:spcBef>
-              <a:buFont typeface="Arial" panose="020B0604020202020204" pitchFamily="34" charset="0"/>
-              <a:buChar char="•"/>
-              <a:defRPr sz="1800" kern="1200">
-                <a:solidFill>
-                  <a:schemeClr val="tx1"/>
-                </a:solidFill>
-                <a:latin typeface="+mn-lt"/>
-                <a:ea typeface="+mn-ea"/>
-                <a:cs typeface="+mn-cs"/>
-              </a:defRPr>
-            </a:lvl4pPr>
-            <a:lvl5pPr marL="2057400" indent="-228600" algn="l" defTabSz="914400" rtl="0" eaLnBrk="1" latinLnBrk="0" hangingPunct="1">
-              <a:lnSpc>
-                <a:spcPct val="90000"/>
-              </a:lnSpc>
-              <a:spcBef>
-                <a:spcPts val="500"/>
-              </a:spcBef>
-              <a:buFont typeface="Arial" panose="020B0604020202020204" pitchFamily="34" charset="0"/>
-              <a:buChar char="•"/>
-              <a:defRPr sz="1800" kern="1200">
-                <a:solidFill>
-                  <a:schemeClr val="tx1"/>
-                </a:solidFill>
-                <a:latin typeface="+mn-lt"/>
-                <a:ea typeface="+mn-ea"/>
-                <a:cs typeface="+mn-cs"/>
-              </a:defRPr>
-            </a:lvl5pPr>
-            <a:lvl6pPr marL="2514600" indent="-228600" algn="l" defTabSz="914400" rtl="0" eaLnBrk="1" latinLnBrk="0" hangingPunct="1">
-              <a:lnSpc>
-                <a:spcPct val="90000"/>
-              </a:lnSpc>
-              <a:spcBef>
-                <a:spcPts val="500"/>
-              </a:spcBef>
-              <a:buFont typeface="Arial" panose="020B0604020202020204" pitchFamily="34" charset="0"/>
-              <a:buChar char="•"/>
-              <a:defRPr sz="1800" kern="1200">
-                <a:solidFill>
-                  <a:schemeClr val="tx1"/>
-                </a:solidFill>
-                <a:latin typeface="+mn-lt"/>
-                <a:ea typeface="+mn-ea"/>
-                <a:cs typeface="+mn-cs"/>
-              </a:defRPr>
-            </a:lvl6pPr>
-            <a:lvl7pPr marL="2971800" indent="-228600" algn="l" defTabSz="914400" rtl="0" eaLnBrk="1" latinLnBrk="0" hangingPunct="1">
-              <a:lnSpc>
-                <a:spcPct val="90000"/>
-              </a:lnSpc>
-              <a:spcBef>
-                <a:spcPts val="500"/>
-              </a:spcBef>
-              <a:buFont typeface="Arial" panose="020B0604020202020204" pitchFamily="34" charset="0"/>
-              <a:buChar char="•"/>
-              <a:defRPr sz="1800" kern="1200">
-                <a:solidFill>
-                  <a:schemeClr val="tx1"/>
-                </a:solidFill>
-                <a:latin typeface="+mn-lt"/>
-                <a:ea typeface="+mn-ea"/>
-                <a:cs typeface="+mn-cs"/>
-              </a:defRPr>
-            </a:lvl7pPr>
-            <a:lvl8pPr marL="3429000" indent="-228600" algn="l" defTabSz="914400" rtl="0" eaLnBrk="1" latinLnBrk="0" hangingPunct="1">
-              <a:lnSpc>
-                <a:spcPct val="90000"/>
-              </a:lnSpc>
-              <a:spcBef>
-                <a:spcPts val="500"/>
-              </a:spcBef>
-              <a:buFont typeface="Arial" panose="020B0604020202020204" pitchFamily="34" charset="0"/>
-              <a:buChar char="•"/>
-              <a:defRPr sz="1800" kern="1200">
-                <a:solidFill>
-                  <a:schemeClr val="tx1"/>
-                </a:solidFill>
-                <a:latin typeface="+mn-lt"/>
-                <a:ea typeface="+mn-ea"/>
-                <a:cs typeface="+mn-cs"/>
-              </a:defRPr>
-            </a:lvl8pPr>
-            <a:lvl9pPr marL="3886200" indent="-228600" algn="l" defTabSz="914400" rtl="0" eaLnBrk="1" latinLnBrk="0" hangingPunct="1">
-              <a:lnSpc>
-                <a:spcPct val="90000"/>
-              </a:lnSpc>
-              <a:spcBef>
-                <a:spcPts val="500"/>
-              </a:spcBef>
-              <a:buFont typeface="Arial" panose="020B0604020202020204" pitchFamily="34" charset="0"/>
-              <a:buChar char="•"/>
-              <a:defRPr sz="1800" kern="1200">
-                <a:solidFill>
-                  <a:schemeClr val="tx1"/>
-                </a:solidFill>
-                <a:latin typeface="+mn-lt"/>
-                <a:ea typeface="+mn-ea"/>
-                <a:cs typeface="+mn-cs"/>
-              </a:defRPr>
-            </a:lvl9pPr>
-          </a:lstStyle>
-          <a:p>
-            <a:pPr marL="0" indent="0">
-              <a:buNone/>
-            </a:pPr>
-            <a:r>
-              <a:rPr lang="en-US" sz="1600" b="1" dirty="0">
-                <a:latin typeface="Century Gothic" panose="020B0502020202020204" pitchFamily="34" charset="0"/>
-              </a:rPr>
               <a:t>Moritz, Professor of Epidemiology (he/him)</a:t>
             </a:r>
           </a:p>
@@ -4218,7 +4003,7 @@
         </p:blipFill>
         <p:spPr>
           <a:xfrm>
-            <a:off x="6181471" y="365124"/>
+            <a:off x="6181471" y="2103437"/>
             <a:ext cx="1988345" cy="1325563"/>
           </a:xfrm>
           <a:prstGeom prst="rect">
@@ -4228,19 +4013,17 @@
       </p:pic>
       <p:pic>
         <p:nvPicPr>
-          <p:cNvPr id="8" name="Content Placeholder 7" descr="A person smiling at camera&#10;&#10;Description automatically generated">
-            <a:extLst>
-              <a:ext uri="{FF2B5EF4-FFF2-40B4-BE49-F238E27FC236}">
-                <a16:creationId xmlns:a16="http://schemas.microsoft.com/office/drawing/2014/main" id="{924AC9C6-99C3-3280-9957-58D8D69A2889}"/>
+          <p:cNvPr id="14" name="Picture 13" descr="A person wearing glasses and a red sweater&#10;&#10;Description automatically generated">
+            <a:extLst>
+              <a:ext uri="{FF2B5EF4-FFF2-40B4-BE49-F238E27FC236}">
+                <a16:creationId xmlns:a16="http://schemas.microsoft.com/office/drawing/2014/main" id="{647C1941-CFB6-FBEC-E4C1-A1CBACCCBB60}"/>
               </a:ext>
             </a:extLst>
           </p:cNvPr>
           <p:cNvPicPr>
-            <a:picLocks noGrp="1" noChangeAspect="1"/>
+            <a:picLocks noChangeAspect="1"/>
           </p:cNvPicPr>
-          <p:nvPr>
-            <p:ph idx="1"/>
-          </p:nvPr>
+          <p:nvPr/>
         </p:nvPicPr>
         <p:blipFill>
           <a:blip r:embed="rId4"/>
@@ -4250,34 +4033,7 @@
         </p:blipFill>
         <p:spPr>
           <a:xfrm>
-            <a:off x="640163" y="1888071"/>
-            <a:ext cx="1790310" cy="1790310"/>
-          </a:xfrm>
-        </p:spPr>
-      </p:pic>
-      <p:pic>
-        <p:nvPicPr>
-          <p:cNvPr id="14" name="Picture 13" descr="A person wearing glasses and a red sweater&#10;&#10;Description automatically generated">
-            <a:extLst>
-              <a:ext uri="{FF2B5EF4-FFF2-40B4-BE49-F238E27FC236}">
-                <a16:creationId xmlns:a16="http://schemas.microsoft.com/office/drawing/2014/main" id="{647C1941-CFB6-FBEC-E4C1-A1CBACCCBB60}"/>
-              </a:ext>
-            </a:extLst>
-          </p:cNvPr>
-          <p:cNvPicPr>
-            <a:picLocks noChangeAspect="1"/>
-          </p:cNvPicPr>
-          <p:nvPr/>
-        </p:nvPicPr>
-        <p:blipFill>
-          <a:blip r:embed="rId5"/>
-          <a:stretch>
-            <a:fillRect/>
-          </a:stretch>
-        </p:blipFill>
-        <p:spPr>
-          <a:xfrm>
-            <a:off x="6181471" y="1934990"/>
+            <a:off x="685269" y="1934990"/>
             <a:ext cx="1829379" cy="1829379"/>
           </a:xfrm>
           <a:prstGeom prst="rect">
@@ -4301,7 +4057,7 @@
         </p:nvSpPr>
         <p:spPr>
           <a:xfrm>
-            <a:off x="8631465" y="1934989"/>
+            <a:off x="3135263" y="1934989"/>
             <a:ext cx="3003356" cy="1743391"/>
           </a:xfrm>
           <a:prstGeom prst="rect">
@@ -4527,7 +4283,7 @@
           <p:nvPr/>
         </p:nvPicPr>
         <p:blipFill>
-          <a:blip r:embed="rId6"/>
+          <a:blip r:embed="rId5"/>
           <a:stretch>
             <a:fillRect/>
           </a:stretch>
@@ -5482,14 +5238,11 @@
                 <a:latin typeface="Century Gothic" panose="020B0502020202020204" pitchFamily="34" charset="0"/>
                 <a:hlinkClick r:id="rId2"/>
               </a:rPr>
-              <a:t>https://github.com/kraemer-lab/Mbiol-Practical-2025</a:t>
-            </a:r>
-            <a:r>
-              <a:rPr lang="en-US" dirty="0">
-                <a:latin typeface="Century Gothic" panose="020B0502020202020204" pitchFamily="34" charset="0"/>
-              </a:rPr>
-              <a:t> </a:t>
-            </a:r>
+              <a:t>https://github.com/kraemer-lab/Mbiol-Practical-2026</a:t>
+            </a:r>
+            <a:endParaRPr lang="en-US" dirty="0">
+              <a:latin typeface="Century Gothic" panose="020B0502020202020204" pitchFamily="34" charset="0"/>
+            </a:endParaRPr>
           </a:p>
           <a:p>
             <a:r>
